--- a/PPT.pptx
+++ b/PPT.pptx
@@ -5,7 +5,7 @@
     <p:sldMasterId id="2147483648" r:id="rId1"/>
   </p:sldMasterIdLst>
   <p:notesMasterIdLst>
-    <p:notesMasterId r:id="rId16"/>
+    <p:notesMasterId r:id="rId17"/>
   </p:notesMasterIdLst>
   <p:sldIdLst>
     <p:sldId id="256" r:id="rId2"/>
@@ -20,8 +20,9 @@
     <p:sldId id="283" r:id="rId11"/>
     <p:sldId id="266" r:id="rId12"/>
     <p:sldId id="285" r:id="rId13"/>
-    <p:sldId id="286" r:id="rId14"/>
-    <p:sldId id="280" r:id="rId15"/>
+    <p:sldId id="287" r:id="rId14"/>
+    <p:sldId id="286" r:id="rId15"/>
+    <p:sldId id="280" r:id="rId16"/>
   </p:sldIdLst>
   <p:sldSz cx="9144000" cy="5143500" type="screen16x9"/>
   <p:notesSz cx="6858000" cy="9144000"/>
@@ -210,7 +211,7 @@
           <a:p>
             <a:fld id="{F77F40D5-6688-4BC2-9EC2-7396A1DB54A7}" type="datetimeFigureOut">
               <a:rPr lang="zh-CN" altLang="en-US" smtClean="0"/>
-              <a:t>2024/12/3</a:t>
+              <a:t>2024/12/16</a:t>
             </a:fld>
             <a:endParaRPr lang="zh-CN" altLang="en-US"/>
           </a:p>
@@ -1109,6 +1110,114 @@
         <p:cNvPr id="1" name="">
           <a:extLst>
             <a:ext uri="{FF2B5EF4-FFF2-40B4-BE49-F238E27FC236}">
+              <a16:creationId xmlns:a16="http://schemas.microsoft.com/office/drawing/2014/main" id="{D134567C-C70A-60F5-9D8D-9ECE03011D4E}"/>
+            </a:ext>
+          </a:extLst>
+        </p:cNvPr>
+        <p:cNvGrpSpPr/>
+        <p:nvPr/>
+      </p:nvGrpSpPr>
+      <p:grpSpPr>
+        <a:xfrm>
+          <a:off x="0" y="0"/>
+          <a:ext cx="0" cy="0"/>
+          <a:chOff x="0" y="0"/>
+          <a:chExt cx="0" cy="0"/>
+        </a:xfrm>
+      </p:grpSpPr>
+      <p:sp>
+        <p:nvSpPr>
+          <p:cNvPr id="2" name="幻灯片图像占位符 1">
+            <a:extLst>
+              <a:ext uri="{FF2B5EF4-FFF2-40B4-BE49-F238E27FC236}">
+                <a16:creationId xmlns:a16="http://schemas.microsoft.com/office/drawing/2014/main" id="{A68B8654-4F47-D8DA-B83E-9351F167002D}"/>
+              </a:ext>
+            </a:extLst>
+          </p:cNvPr>
+          <p:cNvSpPr>
+            <a:spLocks noGrp="1" noRot="1" noChangeAspect="1"/>
+          </p:cNvSpPr>
+          <p:nvPr>
+            <p:ph type="sldImg"/>
+          </p:nvPr>
+        </p:nvSpPr>
+        <p:spPr/>
+      </p:sp>
+      <p:sp>
+        <p:nvSpPr>
+          <p:cNvPr id="3" name="备注占位符 2">
+            <a:extLst>
+              <a:ext uri="{FF2B5EF4-FFF2-40B4-BE49-F238E27FC236}">
+                <a16:creationId xmlns:a16="http://schemas.microsoft.com/office/drawing/2014/main" id="{76F15913-1C38-679E-D24E-AB6FCC3B9CE2}"/>
+              </a:ext>
+            </a:extLst>
+          </p:cNvPr>
+          <p:cNvSpPr>
+            <a:spLocks noGrp="1"/>
+          </p:cNvSpPr>
+          <p:nvPr>
+            <p:ph type="body" idx="1"/>
+          </p:nvPr>
+        </p:nvSpPr>
+        <p:spPr/>
+        <p:txBody>
+          <a:bodyPr/>
+          <a:lstStyle/>
+          <a:p>
+            <a:endParaRPr lang="zh-CN" altLang="en-US"/>
+          </a:p>
+        </p:txBody>
+      </p:sp>
+      <p:sp>
+        <p:nvSpPr>
+          <p:cNvPr id="4" name="灯片编号占位符 3">
+            <a:extLst>
+              <a:ext uri="{FF2B5EF4-FFF2-40B4-BE49-F238E27FC236}">
+                <a16:creationId xmlns:a16="http://schemas.microsoft.com/office/drawing/2014/main" id="{8FB40240-C655-EDB1-0D5B-898EDF2771DF}"/>
+              </a:ext>
+            </a:extLst>
+          </p:cNvPr>
+          <p:cNvSpPr>
+            <a:spLocks noGrp="1"/>
+          </p:cNvSpPr>
+          <p:nvPr>
+            <p:ph type="sldNum" sz="quarter" idx="5"/>
+          </p:nvPr>
+        </p:nvSpPr>
+        <p:spPr/>
+        <p:txBody>
+          <a:bodyPr/>
+          <a:lstStyle/>
+          <a:p>
+            <a:fld id="{87E9F8C7-2598-4CB0-AEAF-1CA35EFCBA24}" type="slidenum">
+              <a:rPr lang="zh-CN" altLang="en-US" smtClean="0"/>
+              <a:t>13</a:t>
+            </a:fld>
+            <a:endParaRPr lang="zh-CN" altLang="en-US"/>
+          </a:p>
+        </p:txBody>
+      </p:sp>
+    </p:spTree>
+    <p:extLst>
+      <p:ext uri="{BB962C8B-B14F-4D97-AF65-F5344CB8AC3E}">
+        <p14:creationId xmlns:p14="http://schemas.microsoft.com/office/powerpoint/2010/main" val="3465522707"/>
+      </p:ext>
+    </p:extLst>
+  </p:cSld>
+  <p:clrMapOvr>
+    <a:masterClrMapping/>
+  </p:clrMapOvr>
+</p:notes>
+</file>
+
+<file path=ppt/notesSlides/notesSlide8.xml><?xml version="1.0" encoding="utf-8"?>
+<p:notes xmlns:a="http://schemas.openxmlformats.org/drawingml/2006/main" xmlns:r="http://schemas.openxmlformats.org/officeDocument/2006/relationships" xmlns:p="http://schemas.openxmlformats.org/presentationml/2006/main">
+  <p:cSld>
+    <p:spTree>
+      <p:nvGrpSpPr>
+        <p:cNvPr id="1" name="">
+          <a:extLst>
+            <a:ext uri="{FF2B5EF4-FFF2-40B4-BE49-F238E27FC236}">
               <a16:creationId xmlns:a16="http://schemas.microsoft.com/office/drawing/2014/main" id="{698B85E7-12E2-89EB-10A8-CBB1FCED3B5F}"/>
             </a:ext>
           </a:extLst>
@@ -1190,7 +1299,7 @@
           <a:p>
             <a:fld id="{87E9F8C7-2598-4CB0-AEAF-1CA35EFCBA24}" type="slidenum">
               <a:rPr lang="zh-CN" altLang="en-US" smtClean="0"/>
-              <a:t>13</a:t>
+              <a:t>14</a:t>
             </a:fld>
             <a:endParaRPr lang="zh-CN" altLang="en-US"/>
           </a:p>
@@ -3813,6 +3922,589 @@
         <p:cNvPr id="1" name="">
           <a:extLst>
             <a:ext uri="{FF2B5EF4-FFF2-40B4-BE49-F238E27FC236}">
+              <a16:creationId xmlns:a16="http://schemas.microsoft.com/office/drawing/2014/main" id="{FD68D056-A623-A703-457D-88A49CFCA5AD}"/>
+            </a:ext>
+          </a:extLst>
+        </p:cNvPr>
+        <p:cNvGrpSpPr/>
+        <p:nvPr/>
+      </p:nvGrpSpPr>
+      <p:grpSpPr>
+        <a:xfrm>
+          <a:off x="0" y="0"/>
+          <a:ext cx="0" cy="0"/>
+          <a:chOff x="0" y="0"/>
+          <a:chExt cx="0" cy="0"/>
+        </a:xfrm>
+      </p:grpSpPr>
+      <p:pic>
+        <p:nvPicPr>
+          <p:cNvPr id="4" name="图片 3">
+            <a:extLst>
+              <a:ext uri="{FF2B5EF4-FFF2-40B4-BE49-F238E27FC236}">
+                <a16:creationId xmlns:a16="http://schemas.microsoft.com/office/drawing/2014/main" id="{45C8FD8C-5394-D39F-B9C0-E4FFA481E692}"/>
+              </a:ext>
+            </a:extLst>
+          </p:cNvPr>
+          <p:cNvPicPr>
+            <a:picLocks noChangeAspect="1"/>
+          </p:cNvPicPr>
+          <p:nvPr/>
+        </p:nvPicPr>
+        <p:blipFill>
+          <a:blip r:embed="rId3">
+            <a:alphaModFix/>
+          </a:blip>
+          <a:stretch>
+            <a:fillRect/>
+          </a:stretch>
+        </p:blipFill>
+        <p:spPr>
+          <a:xfrm rot="2700000">
+            <a:off x="-955061" y="-102710"/>
+            <a:ext cx="1095466" cy="1095466"/>
+          </a:xfrm>
+          <a:prstGeom prst="rect">
+            <a:avLst/>
+          </a:prstGeom>
+          <a:effectLst>
+            <a:outerShdw blurRad="355600" dist="209550" dir="13500000" algn="ctr" rotWithShape="0">
+              <a:srgbClr val="ADADAD">
+                <a:alpha val="30000"/>
+              </a:srgbClr>
+            </a:outerShdw>
+          </a:effectLst>
+        </p:spPr>
+      </p:pic>
+      <p:sp>
+        <p:nvSpPr>
+          <p:cNvPr id="13" name="文本框 12">
+            <a:extLst>
+              <a:ext uri="{FF2B5EF4-FFF2-40B4-BE49-F238E27FC236}">
+                <a16:creationId xmlns:a16="http://schemas.microsoft.com/office/drawing/2014/main" id="{15EAF401-0295-0286-8BFD-8B51F240700D}"/>
+              </a:ext>
+            </a:extLst>
+          </p:cNvPr>
+          <p:cNvSpPr txBox="1"/>
+          <p:nvPr/>
+        </p:nvSpPr>
+        <p:spPr>
+          <a:xfrm>
+            <a:off x="3272460" y="323141"/>
+            <a:ext cx="1650299" cy="203113"/>
+          </a:xfrm>
+          <a:prstGeom prst="rect">
+            <a:avLst/>
+          </a:prstGeom>
+        </p:spPr>
+        <p:txBody>
+          <a:bodyPr wrap="square" lIns="0" tIns="0" rIns="0" bIns="0" anchor="ctr">
+            <a:scene3d>
+              <a:camera prst="legacyObliqueTopLeft">
+                <a:rot lat="0" lon="0" rev="0"/>
+              </a:camera>
+              <a:lightRig rig="legacyFlat1" dir="tl"/>
+            </a:scene3d>
+          </a:bodyPr>
+          <a:lstStyle/>
+          <a:p>
+            <a:pPr algn="ctr">
+              <a:lnSpc>
+                <a:spcPct val="99999"/>
+              </a:lnSpc>
+            </a:pPr>
+            <a:r>
+              <a:rPr lang="zh-CN" altLang="en-US" sz="1333" kern="100" spc="0">
+                <a:solidFill>
+                  <a:srgbClr val="ADADAD">
+                    <a:alpha val="100000"/>
+                  </a:srgbClr>
+                </a:solidFill>
+                <a:latin typeface="Noto Sans S Chinese Bold Bold" panose="02010800040101010101" pitchFamily="1" charset="-122"/>
+                <a:ea typeface="Noto Sans S Chinese Bold Bold" panose="02010800040101010101" pitchFamily="1" charset="-122"/>
+              </a:rPr>
+              <a:t>项目实现</a:t>
+            </a:r>
+          </a:p>
+        </p:txBody>
+      </p:sp>
+      <p:sp>
+        <p:nvSpPr>
+          <p:cNvPr id="14" name="文本框 13">
+            <a:extLst>
+              <a:ext uri="{FF2B5EF4-FFF2-40B4-BE49-F238E27FC236}">
+                <a16:creationId xmlns:a16="http://schemas.microsoft.com/office/drawing/2014/main" id="{FA2B47F6-C319-87DB-EA54-006DA2381121}"/>
+              </a:ext>
+            </a:extLst>
+          </p:cNvPr>
+          <p:cNvSpPr txBox="1"/>
+          <p:nvPr/>
+        </p:nvSpPr>
+        <p:spPr>
+          <a:xfrm>
+            <a:off x="4418938" y="323141"/>
+            <a:ext cx="1650299" cy="203113"/>
+          </a:xfrm>
+          <a:prstGeom prst="rect">
+            <a:avLst/>
+          </a:prstGeom>
+        </p:spPr>
+        <p:txBody>
+          <a:bodyPr wrap="square" lIns="0" tIns="0" rIns="0" bIns="0" anchor="ctr">
+            <a:scene3d>
+              <a:camera prst="legacyObliqueTopLeft">
+                <a:rot lat="0" lon="0" rev="0"/>
+              </a:camera>
+              <a:lightRig rig="legacyFlat1" dir="tl"/>
+            </a:scene3d>
+          </a:bodyPr>
+          <a:lstStyle/>
+          <a:p>
+            <a:pPr algn="ctr">
+              <a:lnSpc>
+                <a:spcPct val="99999"/>
+              </a:lnSpc>
+            </a:pPr>
+            <a:r>
+              <a:rPr lang="zh-CN" altLang="en-US" sz="1333" kern="100">
+                <a:solidFill>
+                  <a:srgbClr val="ADADAD">
+                    <a:alpha val="100000"/>
+                  </a:srgbClr>
+                </a:solidFill>
+                <a:ea typeface="Noto Sans S Chinese Bold Bold" panose="02010800040101010101" pitchFamily="1" charset="-122"/>
+              </a:rPr>
+              <a:t>项目过程</a:t>
+            </a:r>
+          </a:p>
+        </p:txBody>
+      </p:sp>
+      <p:sp>
+        <p:nvSpPr>
+          <p:cNvPr id="15" name="文本框 14">
+            <a:extLst>
+              <a:ext uri="{FF2B5EF4-FFF2-40B4-BE49-F238E27FC236}">
+                <a16:creationId xmlns:a16="http://schemas.microsoft.com/office/drawing/2014/main" id="{1D34F8B5-E33D-139E-701D-FECCF21D2A6E}"/>
+              </a:ext>
+            </a:extLst>
+          </p:cNvPr>
+          <p:cNvSpPr txBox="1"/>
+          <p:nvPr/>
+        </p:nvSpPr>
+        <p:spPr>
+          <a:xfrm>
+            <a:off x="5565416" y="323141"/>
+            <a:ext cx="1650299" cy="203113"/>
+          </a:xfrm>
+          <a:prstGeom prst="rect">
+            <a:avLst/>
+          </a:prstGeom>
+        </p:spPr>
+        <p:txBody>
+          <a:bodyPr wrap="square" lIns="0" tIns="0" rIns="0" bIns="0" anchor="ctr">
+            <a:scene3d>
+              <a:camera prst="legacyObliqueTopLeft">
+                <a:rot lat="0" lon="0" rev="0"/>
+              </a:camera>
+              <a:lightRig rig="legacyFlat1" dir="tl"/>
+            </a:scene3d>
+          </a:bodyPr>
+          <a:lstStyle/>
+          <a:p>
+            <a:pPr algn="ctr">
+              <a:lnSpc>
+                <a:spcPct val="99999"/>
+              </a:lnSpc>
+            </a:pPr>
+            <a:r>
+              <a:rPr lang="zh-CN" altLang="en-US" sz="1333" kern="100">
+                <a:solidFill>
+                  <a:srgbClr val="000000">
+                    <a:alpha val="100000"/>
+                  </a:srgbClr>
+                </a:solidFill>
+                <a:ea typeface="Noto Sans S Chinese Black" panose="02010800040101010101" pitchFamily="1" charset="-122"/>
+              </a:rPr>
+              <a:t>实验结果</a:t>
+            </a:r>
+          </a:p>
+        </p:txBody>
+      </p:sp>
+      <p:sp>
+        <p:nvSpPr>
+          <p:cNvPr id="16" name="文本框 15">
+            <a:extLst>
+              <a:ext uri="{FF2B5EF4-FFF2-40B4-BE49-F238E27FC236}">
+                <a16:creationId xmlns:a16="http://schemas.microsoft.com/office/drawing/2014/main" id="{8042775F-3691-1A89-9437-47C20AE1A5C8}"/>
+              </a:ext>
+            </a:extLst>
+          </p:cNvPr>
+          <p:cNvSpPr txBox="1"/>
+          <p:nvPr/>
+        </p:nvSpPr>
+        <p:spPr>
+          <a:xfrm>
+            <a:off x="6711893" y="323141"/>
+            <a:ext cx="1650299" cy="203113"/>
+          </a:xfrm>
+          <a:prstGeom prst="rect">
+            <a:avLst/>
+          </a:prstGeom>
+        </p:spPr>
+        <p:txBody>
+          <a:bodyPr wrap="square" lIns="0" tIns="0" rIns="0" bIns="0" anchor="ctr">
+            <a:scene3d>
+              <a:camera prst="legacyObliqueTopLeft">
+                <a:rot lat="0" lon="0" rev="0"/>
+              </a:camera>
+              <a:lightRig rig="legacyFlat1" dir="tl"/>
+            </a:scene3d>
+          </a:bodyPr>
+          <a:lstStyle/>
+          <a:p>
+            <a:pPr algn="ctr">
+              <a:lnSpc>
+                <a:spcPct val="99999"/>
+              </a:lnSpc>
+            </a:pPr>
+            <a:r>
+              <a:rPr lang="zh-CN" altLang="en-US" sz="1333" kern="100" spc="0">
+                <a:solidFill>
+                  <a:srgbClr val="ADADAD">
+                    <a:alpha val="100000"/>
+                  </a:srgbClr>
+                </a:solidFill>
+                <a:latin typeface="Noto Sans S Chinese Bold Bold" panose="02010800040101010101" pitchFamily="1" charset="-122"/>
+                <a:ea typeface="Noto Sans S Chinese Bold Bold" panose="02010800040101010101" pitchFamily="1" charset="-122"/>
+              </a:rPr>
+              <a:t>小组分工</a:t>
+            </a:r>
+          </a:p>
+        </p:txBody>
+      </p:sp>
+      <p:pic>
+        <p:nvPicPr>
+          <p:cNvPr id="5" name="图片 4">
+            <a:extLst>
+              <a:ext uri="{FF2B5EF4-FFF2-40B4-BE49-F238E27FC236}">
+                <a16:creationId xmlns:a16="http://schemas.microsoft.com/office/drawing/2014/main" id="{72210FE0-47C8-8650-B9DC-0C5F1376068E}"/>
+              </a:ext>
+            </a:extLst>
+          </p:cNvPr>
+          <p:cNvPicPr>
+            <a:picLocks noChangeAspect="1"/>
+          </p:cNvPicPr>
+          <p:nvPr/>
+        </p:nvPicPr>
+        <p:blipFill>
+          <a:blip r:embed="rId4">
+            <a:alphaModFix/>
+          </a:blip>
+          <a:stretch>
+            <a:fillRect/>
+          </a:stretch>
+        </p:blipFill>
+        <p:spPr>
+          <a:xfrm>
+            <a:off x="8441999" y="342240"/>
+            <a:ext cx="215863" cy="206477"/>
+          </a:xfrm>
+          <a:prstGeom prst="rect">
+            <a:avLst/>
+          </a:prstGeom>
+        </p:spPr>
+      </p:pic>
+      <p:sp>
+        <p:nvSpPr>
+          <p:cNvPr id="17" name="文本框 16">
+            <a:extLst>
+              <a:ext uri="{FF2B5EF4-FFF2-40B4-BE49-F238E27FC236}">
+                <a16:creationId xmlns:a16="http://schemas.microsoft.com/office/drawing/2014/main" id="{09BAA063-3CF0-40E1-1F68-B2CFB33105B4}"/>
+              </a:ext>
+            </a:extLst>
+          </p:cNvPr>
+          <p:cNvSpPr txBox="1"/>
+          <p:nvPr/>
+        </p:nvSpPr>
+        <p:spPr>
+          <a:xfrm>
+            <a:off x="389154" y="234758"/>
+            <a:ext cx="3255726" cy="350404"/>
+          </a:xfrm>
+          <a:prstGeom prst="rect">
+            <a:avLst/>
+          </a:prstGeom>
+        </p:spPr>
+        <p:txBody>
+          <a:bodyPr wrap="square" lIns="0" tIns="0" rIns="0" bIns="0" anchor="ctr">
+            <a:scene3d>
+              <a:camera prst="legacyObliqueTopLeft">
+                <a:rot lat="0" lon="0" rev="0"/>
+              </a:camera>
+              <a:lightRig rig="legacyFlat1" dir="tl"/>
+            </a:scene3d>
+          </a:bodyPr>
+          <a:lstStyle/>
+          <a:p>
+            <a:pPr algn="l">
+              <a:lnSpc>
+                <a:spcPct val="99999"/>
+              </a:lnSpc>
+            </a:pPr>
+            <a:r>
+              <a:rPr lang="zh-CN" altLang="en-US" sz="2300" kern="100">
+                <a:solidFill>
+                  <a:srgbClr val="1A386F">
+                    <a:alpha val="100000"/>
+                  </a:srgbClr>
+                </a:solidFill>
+                <a:latin typeface="Noto Sans S Chinese Black" panose="02010800040101010101" pitchFamily="1" charset="-122"/>
+                <a:ea typeface="Noto Sans S Chinese Black" panose="02010800040101010101" pitchFamily="1" charset="-122"/>
+              </a:rPr>
+              <a:t>聚类效果可视化</a:t>
+            </a:r>
+            <a:endParaRPr lang="en-US" altLang="zh-CN" sz="2300" kern="100" spc="0">
+              <a:solidFill>
+                <a:srgbClr val="1A386F">
+                  <a:alpha val="100000"/>
+                </a:srgbClr>
+              </a:solidFill>
+              <a:latin typeface="Noto Sans S Chinese Black" panose="02010800040101010101" pitchFamily="1" charset="-122"/>
+              <a:ea typeface="Noto Sans S Chinese Black" panose="02010800040101010101" pitchFamily="1" charset="-122"/>
+            </a:endParaRPr>
+          </a:p>
+        </p:txBody>
+      </p:sp>
+      <p:pic>
+        <p:nvPicPr>
+          <p:cNvPr id="8" name="图片 7">
+            <a:extLst>
+              <a:ext uri="{FF2B5EF4-FFF2-40B4-BE49-F238E27FC236}">
+                <a16:creationId xmlns:a16="http://schemas.microsoft.com/office/drawing/2014/main" id="{D91685A8-397B-F07D-A25F-9C8C6E668150}"/>
+              </a:ext>
+            </a:extLst>
+          </p:cNvPr>
+          <p:cNvPicPr>
+            <a:picLocks noChangeAspect="1"/>
+          </p:cNvPicPr>
+          <p:nvPr/>
+        </p:nvPicPr>
+        <p:blipFill>
+          <a:blip r:embed="rId5">
+            <a:extLst>
+              <a:ext uri="{28A0092B-C50C-407E-A947-70E740481C1C}">
+                <a14:useLocalDpi xmlns:a14="http://schemas.microsoft.com/office/drawing/2010/main" val="0"/>
+              </a:ext>
+            </a:extLst>
+          </a:blip>
+          <a:srcRect/>
+          <a:stretch/>
+        </p:blipFill>
+        <p:spPr>
+          <a:xfrm>
+            <a:off x="219808" y="706209"/>
+            <a:ext cx="5091331" cy="3993737"/>
+          </a:xfrm>
+          <a:prstGeom prst="rect">
+            <a:avLst/>
+          </a:prstGeom>
+        </p:spPr>
+      </p:pic>
+      <p:sp>
+        <p:nvSpPr>
+          <p:cNvPr id="18" name="文本框 17">
+            <a:extLst>
+              <a:ext uri="{FF2B5EF4-FFF2-40B4-BE49-F238E27FC236}">
+                <a16:creationId xmlns:a16="http://schemas.microsoft.com/office/drawing/2014/main" id="{39A63510-2090-A96F-BE41-F4A69D539623}"/>
+              </a:ext>
+            </a:extLst>
+          </p:cNvPr>
+          <p:cNvSpPr txBox="1"/>
+          <p:nvPr/>
+        </p:nvSpPr>
+        <p:spPr>
+          <a:xfrm>
+            <a:off x="5460995" y="1219635"/>
+            <a:ext cx="3463197" cy="1180665"/>
+          </a:xfrm>
+          <a:prstGeom prst="rect">
+            <a:avLst/>
+          </a:prstGeom>
+        </p:spPr>
+        <p:txBody>
+          <a:bodyPr wrap="square" lIns="0" tIns="0" rIns="0" bIns="0" anchor="t">
+            <a:scene3d>
+              <a:camera prst="legacyObliqueTopLeft">
+                <a:rot lat="0" lon="0" rev="0"/>
+              </a:camera>
+              <a:lightRig rig="legacyFlat1" dir="tl"/>
+            </a:scene3d>
+          </a:bodyPr>
+          <a:lstStyle/>
+          <a:p>
+            <a:pPr marL="171450" indent="-171450">
+              <a:lnSpc>
+                <a:spcPct val="200000"/>
+              </a:lnSpc>
+              <a:buFont typeface="Arial" panose="020B0604020202020204" pitchFamily="34" charset="0"/>
+              <a:buChar char="•"/>
+            </a:pPr>
+            <a:r>
+              <a:rPr lang="zh-CN" altLang="en-US" sz="900" dirty="0"/>
+              <a:t>首先使用</a:t>
+            </a:r>
+            <a:r>
+              <a:rPr lang="en-US" altLang="zh-CN" sz="900" dirty="0"/>
+              <a:t>all-MiniLM-L6-v2</a:t>
+            </a:r>
+            <a:r>
+              <a:rPr lang="zh-CN" altLang="en-US" sz="900" dirty="0"/>
+              <a:t>将文本转换成了</a:t>
+            </a:r>
+            <a:r>
+              <a:rPr lang="en-US" altLang="zh-CN" sz="900" dirty="0"/>
+              <a:t>(187181, 384)</a:t>
+            </a:r>
+            <a:r>
+              <a:rPr lang="zh-CN" altLang="en-US" sz="900" dirty="0"/>
+              <a:t>维度的向量</a:t>
+            </a:r>
+            <a:endParaRPr lang="en-US" altLang="zh-CN" sz="900" dirty="0"/>
+          </a:p>
+          <a:p>
+            <a:pPr marL="171450" indent="-171450">
+              <a:lnSpc>
+                <a:spcPct val="200000"/>
+              </a:lnSpc>
+              <a:buFont typeface="Arial" panose="020B0604020202020204" pitchFamily="34" charset="0"/>
+              <a:buChar char="•"/>
+            </a:pPr>
+            <a:r>
+              <a:rPr lang="zh-CN" altLang="en-US" sz="900" dirty="0"/>
+              <a:t>然后使用</a:t>
+            </a:r>
+            <a:r>
+              <a:rPr lang="en-US" altLang="zh-CN" sz="900" dirty="0"/>
+              <a:t>UMAP</a:t>
+            </a:r>
+            <a:r>
+              <a:rPr lang="zh-CN" altLang="en-US" sz="900" dirty="0"/>
+              <a:t>将向量的维度压缩降至</a:t>
+            </a:r>
+            <a:r>
+              <a:rPr lang="en-US" altLang="zh-CN" sz="900" dirty="0"/>
+              <a:t>2</a:t>
+            </a:r>
+            <a:r>
+              <a:rPr lang="zh-CN" altLang="en-US" sz="900" dirty="0"/>
+              <a:t>维，得到 </a:t>
+            </a:r>
+            <a:r>
+              <a:rPr lang="en-US" altLang="zh-CN" sz="900" dirty="0"/>
+              <a:t>(187181, 2)</a:t>
+            </a:r>
+            <a:r>
+              <a:rPr lang="zh-CN" altLang="en-US" sz="900" dirty="0"/>
+              <a:t>维度</a:t>
+            </a:r>
+            <a:endParaRPr lang="en-US" altLang="zh-CN" sz="900" dirty="0"/>
+          </a:p>
+          <a:p>
+            <a:pPr marL="171450" indent="-171450">
+              <a:lnSpc>
+                <a:spcPct val="200000"/>
+              </a:lnSpc>
+              <a:buFont typeface="Arial" panose="020B0604020202020204" pitchFamily="34" charset="0"/>
+              <a:buChar char="•"/>
+            </a:pPr>
+            <a:r>
+              <a:rPr lang="zh-CN" altLang="en-US" sz="900" dirty="0"/>
+              <a:t>最后使用</a:t>
+            </a:r>
+            <a:r>
+              <a:rPr lang="en-US" altLang="zh-CN" sz="900" dirty="0"/>
+              <a:t>Hadoop-</a:t>
+            </a:r>
+            <a:r>
+              <a:rPr lang="en-US" altLang="zh-CN" sz="900" dirty="0" err="1"/>
+              <a:t>KMeans</a:t>
+            </a:r>
+            <a:r>
+              <a:rPr lang="en-US" altLang="zh-CN" sz="900" dirty="0"/>
+              <a:t>++</a:t>
+            </a:r>
+            <a:r>
+              <a:rPr lang="zh-CN" altLang="en-US" sz="900" dirty="0"/>
+              <a:t>迭代多次收敛得到最终聚类结果</a:t>
+            </a:r>
+            <a:endParaRPr lang="en-US" altLang="zh-CN" sz="900" dirty="0"/>
+          </a:p>
+          <a:p>
+            <a:pPr>
+              <a:lnSpc>
+                <a:spcPct val="200000"/>
+              </a:lnSpc>
+            </a:pPr>
+            <a:endParaRPr lang="zh-CN" altLang="en-US" sz="900" dirty="0"/>
+          </a:p>
+        </p:txBody>
+      </p:sp>
+      <p:pic>
+        <p:nvPicPr>
+          <p:cNvPr id="9" name="图片 8">
+            <a:extLst>
+              <a:ext uri="{FF2B5EF4-FFF2-40B4-BE49-F238E27FC236}">
+                <a16:creationId xmlns:a16="http://schemas.microsoft.com/office/drawing/2014/main" id="{0A220056-4DBA-FAF7-785B-6315F7ABC877}"/>
+              </a:ext>
+            </a:extLst>
+          </p:cNvPr>
+          <p:cNvPicPr>
+            <a:picLocks noChangeAspect="1"/>
+          </p:cNvPicPr>
+          <p:nvPr/>
+        </p:nvPicPr>
+        <p:blipFill>
+          <a:blip r:embed="rId6">
+            <a:extLst>
+              <a:ext uri="{28A0092B-C50C-407E-A947-70E740481C1C}">
+                <a14:useLocalDpi xmlns:a14="http://schemas.microsoft.com/office/drawing/2010/main" val="0"/>
+              </a:ext>
+            </a:extLst>
+          </a:blip>
+          <a:srcRect/>
+          <a:stretch/>
+        </p:blipFill>
+        <p:spPr>
+          <a:xfrm>
+            <a:off x="5460995" y="2172906"/>
+            <a:ext cx="3477631" cy="2527040"/>
+          </a:xfrm>
+          <a:prstGeom prst="rect">
+            <a:avLst/>
+          </a:prstGeom>
+        </p:spPr>
+      </p:pic>
+    </p:spTree>
+    <p:extLst>
+      <p:ext uri="{BB962C8B-B14F-4D97-AF65-F5344CB8AC3E}">
+        <p14:creationId xmlns:p14="http://schemas.microsoft.com/office/powerpoint/2010/main" val="2077536576"/>
+      </p:ext>
+    </p:extLst>
+  </p:cSld>
+  <p:clrMapOvr>
+    <a:masterClrMapping/>
+  </p:clrMapOvr>
+</p:sld>
+</file>
+
+<file path=ppt/slides/slide14.xml><?xml version="1.0" encoding="utf-8"?>
+<p:sld xmlns:a="http://schemas.openxmlformats.org/drawingml/2006/main" xmlns:r="http://schemas.openxmlformats.org/officeDocument/2006/relationships" xmlns:p="http://schemas.openxmlformats.org/presentationml/2006/main">
+  <p:cSld>
+    <p:spTree>
+      <p:nvGrpSpPr>
+        <p:cNvPr id="1" name="">
+          <a:extLst>
+            <a:ext uri="{FF2B5EF4-FFF2-40B4-BE49-F238E27FC236}">
               <a16:creationId xmlns:a16="http://schemas.microsoft.com/office/drawing/2014/main" id="{4A0AA165-5147-62B8-4CF5-4DA062BB9A0E}"/>
             </a:ext>
           </a:extLst>
@@ -4588,7 +5280,7 @@
 </p:sld>
 </file>
 
-<file path=ppt/slides/slide14.xml><?xml version="1.0" encoding="utf-8"?>
+<file path=ppt/slides/slide15.xml><?xml version="1.0" encoding="utf-8"?>
 <p:sld xmlns:a="http://schemas.openxmlformats.org/drawingml/2006/main" xmlns:r="http://schemas.openxmlformats.org/officeDocument/2006/relationships" xmlns:p="http://schemas.openxmlformats.org/presentationml/2006/main">
   <p:cSld>
     <p:spTree>
